--- a/설계도.pptx
+++ b/설계도.pptx
@@ -3661,11 +3661,7 @@
             <a:pPr algn="ctr"/>
             <a:r>
               <a:rPr lang="en-US" altLang="ko-KR" dirty="0" err="1" smtClean="0"/>
-              <a:t>Client</a:t>
-            </a:r>
-            <a:r>
-              <a:rPr lang="en-US" altLang="ko-KR" dirty="0" err="1" smtClean="0"/>
-              <a:t>Thread</a:t>
+              <a:t>ClientThread</a:t>
             </a:r>
             <a:r>
               <a:rPr lang="en-US" altLang="ko-KR" dirty="0" smtClean="0"/>
@@ -3893,7 +3889,7 @@
         <p:spPr>
           <a:xfrm>
             <a:off x="2783948" y="3129829"/>
-            <a:ext cx="1313565" cy="307777"/>
+            <a:ext cx="974947" cy="307777"/>
           </a:xfrm>
           <a:prstGeom prst="rect">
             <a:avLst/>
@@ -3908,7 +3904,7 @@
           <a:p>
             <a:r>
               <a:rPr lang="en-US" altLang="ko-KR" sz="1400" dirty="0" smtClean="0"/>
-              <a:t>INIT_PACKET()</a:t>
+              <a:t>SC_INIT ()</a:t>
             </a:r>
             <a:endParaRPr lang="ko-KR" altLang="en-US" sz="1400" dirty="0"/>
           </a:p>
@@ -4050,7 +4046,7 @@
         </p:nvCxnSpPr>
         <p:spPr>
           <a:xfrm>
-            <a:off x="6641214" y="4192677"/>
+            <a:off x="6641214" y="4242131"/>
             <a:ext cx="595082" cy="987069"/>
           </a:xfrm>
           <a:prstGeom prst="bentConnector3">
@@ -4163,8 +4159,8 @@
         </p:nvSpPr>
         <p:spPr>
           <a:xfrm>
-            <a:off x="5195680" y="4933868"/>
-            <a:ext cx="1759200" cy="523220"/>
+            <a:off x="5936653" y="4580984"/>
+            <a:ext cx="1018227" cy="307777"/>
           </a:xfrm>
           <a:prstGeom prst="rect">
             <a:avLst/>
@@ -4180,14 +4176,11 @@
             <a:pPr algn="r"/>
             <a:r>
               <a:rPr lang="en-US" altLang="ko-KR" sz="1400" dirty="0" smtClean="0"/>
-              <a:t>RUNTIME_PACKET()</a:t>
-            </a:r>
-          </a:p>
-          <a:p>
-            <a:pPr algn="r"/>
+              <a:t>CS_</a:t>
+            </a:r>
             <a:r>
               <a:rPr lang="en-US" altLang="ko-KR" sz="1400" dirty="0" smtClean="0"/>
-              <a:t>SKILL_PACKET()</a:t>
+              <a:t>RUN ()</a:t>
             </a:r>
             <a:endParaRPr lang="ko-KR" altLang="en-US" sz="1400" dirty="0"/>
           </a:p>
@@ -4201,8 +4194,8 @@
         </p:nvSpPr>
         <p:spPr>
           <a:xfrm>
-            <a:off x="3216201" y="6253924"/>
-            <a:ext cx="1342419" cy="307777"/>
+            <a:off x="3604846" y="6253924"/>
+            <a:ext cx="1003801" cy="307777"/>
           </a:xfrm>
           <a:prstGeom prst="rect">
             <a:avLst/>
@@ -4217,7 +4210,50 @@
           <a:p>
             <a:r>
               <a:rPr lang="en-US" altLang="ko-KR" sz="1400" dirty="0" smtClean="0"/>
-              <a:t>END_PACKET()</a:t>
+              <a:t>SC_END ()</a:t>
+            </a:r>
+            <a:endParaRPr lang="ko-KR" altLang="en-US" sz="1400" dirty="0"/>
+          </a:p>
+        </p:txBody>
+      </p:sp>
+      <p:sp>
+        <p:nvSpPr>
+          <p:cNvPr id="29" name="TextBox 28"/>
+          <p:cNvSpPr txBox="1"/>
+          <p:nvPr/>
+        </p:nvSpPr>
+        <p:spPr>
+          <a:xfrm>
+            <a:off x="5869230" y="5471795"/>
+            <a:ext cx="1069524" cy="523220"/>
+          </a:xfrm>
+          <a:prstGeom prst="rect">
+            <a:avLst/>
+          </a:prstGeom>
+          <a:noFill/>
+        </p:spPr>
+        <p:txBody>
+          <a:bodyPr wrap="none" rtlCol="0">
+            <a:spAutoFit/>
+          </a:bodyPr>
+          <a:lstStyle/>
+          <a:p>
+            <a:pPr algn="r"/>
+            <a:r>
+              <a:rPr lang="en-US" altLang="ko-KR" sz="1400" dirty="0" smtClean="0"/>
+              <a:t>SC_</a:t>
+            </a:r>
+            <a:r>
+              <a:rPr lang="en-US" altLang="ko-KR" sz="1400" dirty="0" smtClean="0"/>
+              <a:t>RUN ()</a:t>
+            </a:r>
+            <a:endParaRPr lang="en-US" altLang="ko-KR" sz="1400" dirty="0" smtClean="0"/>
+          </a:p>
+          <a:p>
+            <a:pPr algn="r"/>
+            <a:r>
+              <a:rPr lang="en-US" altLang="ko-KR" sz="1400" dirty="0" smtClean="0"/>
+              <a:t>SC_SKILL ()</a:t>
             </a:r>
             <a:endParaRPr lang="ko-KR" altLang="en-US" sz="1400" dirty="0"/>
           </a:p>
@@ -4781,7 +4817,7 @@
         </p:nvSpPr>
         <p:spPr>
           <a:xfrm>
-            <a:off x="4552982" y="4005752"/>
+            <a:off x="4499991" y="1925106"/>
             <a:ext cx="2088232" cy="576064"/>
           </a:xfrm>
           <a:prstGeom prst="rect">
@@ -4843,7 +4879,7 @@
         </p:nvSpPr>
         <p:spPr>
           <a:xfrm>
-            <a:off x="4552982" y="6013988"/>
+            <a:off x="4499991" y="6013988"/>
             <a:ext cx="2088232" cy="576064"/>
           </a:xfrm>
           <a:prstGeom prst="rect">
@@ -4887,7 +4923,7 @@
             <a:pPr algn="ctr"/>
             <a:r>
               <a:rPr lang="en-US" altLang="ko-KR" dirty="0" err="1" smtClean="0"/>
-              <a:t>RecvThread</a:t>
+              <a:t>SendThread</a:t>
             </a:r>
             <a:r>
               <a:rPr lang="en-US" altLang="ko-KR" dirty="0" smtClean="0"/>
@@ -4897,42 +4933,6 @@
           </a:p>
         </p:txBody>
       </p:sp>
-      <p:cxnSp>
-        <p:nvCxnSpPr>
-          <p:cNvPr id="26" name="직선 화살표 연결선 25"/>
-          <p:cNvCxnSpPr/>
-          <p:nvPr/>
-        </p:nvCxnSpPr>
-        <p:spPr>
-          <a:xfrm>
-            <a:off x="2320734" y="4300644"/>
-            <a:ext cx="2232248" cy="3396"/>
-          </a:xfrm>
-          <a:prstGeom prst="straightConnector1">
-            <a:avLst/>
-          </a:prstGeom>
-          <a:ln>
-            <a:solidFill>
-              <a:schemeClr val="tx1"/>
-            </a:solidFill>
-            <a:tailEnd type="arrow"/>
-          </a:ln>
-        </p:spPr>
-        <p:style>
-          <a:lnRef idx="1">
-            <a:schemeClr val="accent1"/>
-          </a:lnRef>
-          <a:fillRef idx="0">
-            <a:schemeClr val="accent1"/>
-          </a:fillRef>
-          <a:effectRef idx="0">
-            <a:schemeClr val="accent1"/>
-          </a:effectRef>
-          <a:fontRef idx="minor">
-            <a:schemeClr val="tx1"/>
-          </a:fontRef>
-        </p:style>
-      </p:cxnSp>
       <p:cxnSp>
         <p:nvCxnSpPr>
           <p:cNvPr id="28" name="꺾인 연결선 27"/>
@@ -4945,10 +4945,398 @@
         <p:spPr>
           <a:xfrm>
             <a:off x="2392742" y="864175"/>
-            <a:ext cx="3204356" cy="3141577"/>
+            <a:ext cx="3151365" cy="1060931"/>
           </a:xfrm>
           <a:prstGeom prst="bentConnector2">
             <a:avLst/>
+          </a:prstGeom>
+          <a:ln>
+            <a:solidFill>
+              <a:schemeClr val="tx1"/>
+            </a:solidFill>
+            <a:tailEnd type="arrow"/>
+          </a:ln>
+        </p:spPr>
+        <p:style>
+          <a:lnRef idx="1">
+            <a:schemeClr val="accent1"/>
+          </a:lnRef>
+          <a:fillRef idx="0">
+            <a:schemeClr val="accent1"/>
+          </a:fillRef>
+          <a:effectRef idx="0">
+            <a:schemeClr val="accent1"/>
+          </a:effectRef>
+          <a:fontRef idx="minor">
+            <a:schemeClr val="tx1"/>
+          </a:fontRef>
+        </p:style>
+      </p:cxnSp>
+      <p:sp>
+        <p:nvSpPr>
+          <p:cNvPr id="41" name="TextBox 40"/>
+          <p:cNvSpPr txBox="1"/>
+          <p:nvPr/>
+        </p:nvSpPr>
+        <p:spPr>
+          <a:xfrm>
+            <a:off x="3112822" y="529877"/>
+            <a:ext cx="1144865" cy="307777"/>
+          </a:xfrm>
+          <a:prstGeom prst="rect">
+            <a:avLst/>
+          </a:prstGeom>
+          <a:noFill/>
+        </p:spPr>
+        <p:txBody>
+          <a:bodyPr wrap="none" rtlCol="0">
+            <a:spAutoFit/>
+          </a:bodyPr>
+          <a:lstStyle/>
+          <a:p>
+            <a:r>
+              <a:rPr lang="ko-KR" altLang="en-US" sz="1400" dirty="0" err="1" smtClean="0"/>
+              <a:t>스레드</a:t>
+            </a:r>
+            <a:r>
+              <a:rPr lang="ko-KR" altLang="en-US" sz="1400" dirty="0" smtClean="0"/>
+              <a:t> 생성</a:t>
+            </a:r>
+            <a:endParaRPr lang="ko-KR" altLang="en-US" sz="1400" dirty="0"/>
+          </a:p>
+        </p:txBody>
+      </p:sp>
+      <p:sp>
+        <p:nvSpPr>
+          <p:cNvPr id="47" name="TextBox 46"/>
+          <p:cNvSpPr txBox="1"/>
+          <p:nvPr/>
+        </p:nvSpPr>
+        <p:spPr>
+          <a:xfrm>
+            <a:off x="3776716" y="3933056"/>
+            <a:ext cx="723275" cy="307777"/>
+          </a:xfrm>
+          <a:prstGeom prst="rect">
+            <a:avLst/>
+          </a:prstGeom>
+          <a:noFill/>
+        </p:spPr>
+        <p:txBody>
+          <a:bodyPr wrap="none" rtlCol="0">
+            <a:spAutoFit/>
+          </a:bodyPr>
+          <a:lstStyle/>
+          <a:p>
+            <a:r>
+              <a:rPr lang="ko-KR" altLang="en-US" sz="1400" dirty="0" err="1" smtClean="0"/>
+              <a:t>키입력</a:t>
+            </a:r>
+            <a:endParaRPr lang="ko-KR" altLang="en-US" sz="1400" dirty="0"/>
+          </a:p>
+        </p:txBody>
+      </p:sp>
+      <p:sp>
+        <p:nvSpPr>
+          <p:cNvPr id="49" name="TextBox 48"/>
+          <p:cNvSpPr txBox="1"/>
+          <p:nvPr/>
+        </p:nvSpPr>
+        <p:spPr>
+          <a:xfrm>
+            <a:off x="1333851" y="2471864"/>
+            <a:ext cx="1867819" cy="307777"/>
+          </a:xfrm>
+          <a:prstGeom prst="rect">
+            <a:avLst/>
+          </a:prstGeom>
+          <a:noFill/>
+        </p:spPr>
+        <p:txBody>
+          <a:bodyPr wrap="none" rtlCol="0">
+            <a:spAutoFit/>
+          </a:bodyPr>
+          <a:lstStyle/>
+          <a:p>
+            <a:r>
+              <a:rPr lang="ko-KR" altLang="en-US" sz="1400" dirty="0" smtClean="0"/>
+              <a:t>클라이언트 </a:t>
+            </a:r>
+            <a:r>
+              <a:rPr lang="en-US" altLang="ko-KR" sz="1400" dirty="0" smtClean="0"/>
+              <a:t>1, 2</a:t>
+            </a:r>
+            <a:r>
+              <a:rPr lang="ko-KR" altLang="en-US" sz="1400" dirty="0" smtClean="0"/>
+              <a:t>입장</a:t>
+            </a:r>
+            <a:endParaRPr lang="ko-KR" altLang="en-US" sz="1400" dirty="0"/>
+          </a:p>
+        </p:txBody>
+      </p:sp>
+      <p:sp>
+        <p:nvSpPr>
+          <p:cNvPr id="2" name="순서도: 대체 처리 1"/>
+          <p:cNvSpPr/>
+          <p:nvPr/>
+        </p:nvSpPr>
+        <p:spPr>
+          <a:xfrm>
+            <a:off x="7236296" y="4828301"/>
+            <a:ext cx="1728192" cy="905104"/>
+          </a:xfrm>
+          <a:prstGeom prst="flowChartAlternateProcess">
+            <a:avLst/>
+          </a:prstGeom>
+          <a:solidFill>
+            <a:schemeClr val="bg1"/>
+          </a:solidFill>
+          <a:ln>
+            <a:solidFill>
+              <a:schemeClr val="tx1"/>
+            </a:solidFill>
+          </a:ln>
+        </p:spPr>
+        <p:style>
+          <a:lnRef idx="2">
+            <a:schemeClr val="accent1">
+              <a:shade val="50000"/>
+            </a:schemeClr>
+          </a:lnRef>
+          <a:fillRef idx="1">
+            <a:schemeClr val="accent1"/>
+          </a:fillRef>
+          <a:effectRef idx="0">
+            <a:schemeClr val="accent1"/>
+          </a:effectRef>
+          <a:fontRef idx="minor">
+            <a:schemeClr val="lt1"/>
+          </a:fontRef>
+        </p:style>
+        <p:txBody>
+          <a:bodyPr rtlCol="0" anchor="ctr"/>
+          <a:lstStyle/>
+          <a:p>
+            <a:pPr algn="ctr"/>
+            <a:r>
+              <a:rPr lang="ko-KR" altLang="en-US" dirty="0" smtClean="0">
+                <a:solidFill>
+                  <a:schemeClr val="tx1"/>
+                </a:solidFill>
+              </a:rPr>
+              <a:t>클라이언</a:t>
+            </a:r>
+            <a:r>
+              <a:rPr lang="ko-KR" altLang="en-US" dirty="0">
+                <a:solidFill>
+                  <a:schemeClr val="tx1"/>
+                </a:solidFill>
+              </a:rPr>
+              <a:t>트</a:t>
+            </a:r>
+          </a:p>
+        </p:txBody>
+      </p:sp>
+      <p:sp>
+        <p:nvSpPr>
+          <p:cNvPr id="42" name="TextBox 41"/>
+          <p:cNvSpPr txBox="1"/>
+          <p:nvPr/>
+        </p:nvSpPr>
+        <p:spPr>
+          <a:xfrm>
+            <a:off x="2494660" y="3175593"/>
+            <a:ext cx="974947" cy="307777"/>
+          </a:xfrm>
+          <a:prstGeom prst="rect">
+            <a:avLst/>
+          </a:prstGeom>
+          <a:noFill/>
+        </p:spPr>
+        <p:txBody>
+          <a:bodyPr wrap="none" rtlCol="0">
+            <a:spAutoFit/>
+          </a:bodyPr>
+          <a:lstStyle/>
+          <a:p>
+            <a:r>
+              <a:rPr lang="en-US" altLang="ko-KR" sz="1400" dirty="0" smtClean="0"/>
+              <a:t>SC_</a:t>
+            </a:r>
+            <a:r>
+              <a:rPr lang="en-US" altLang="ko-KR" sz="1400" dirty="0" smtClean="0"/>
+              <a:t>INIT ()</a:t>
+            </a:r>
+            <a:endParaRPr lang="ko-KR" altLang="en-US" sz="1400" dirty="0"/>
+          </a:p>
+        </p:txBody>
+      </p:sp>
+      <p:sp>
+        <p:nvSpPr>
+          <p:cNvPr id="29" name="TextBox 28"/>
+          <p:cNvSpPr txBox="1"/>
+          <p:nvPr/>
+        </p:nvSpPr>
+        <p:spPr>
+          <a:xfrm>
+            <a:off x="5849619" y="5275324"/>
+            <a:ext cx="1069588" cy="738664"/>
+          </a:xfrm>
+          <a:prstGeom prst="rect">
+            <a:avLst/>
+          </a:prstGeom>
+          <a:noFill/>
+        </p:spPr>
+        <p:txBody>
+          <a:bodyPr wrap="none" rtlCol="0">
+            <a:spAutoFit/>
+          </a:bodyPr>
+          <a:lstStyle/>
+          <a:p>
+            <a:pPr algn="r"/>
+            <a:r>
+              <a:rPr lang="en-US" altLang="ko-KR" sz="1400" dirty="0" smtClean="0"/>
+              <a:t>SC_</a:t>
+            </a:r>
+            <a:r>
+              <a:rPr lang="en-US" altLang="ko-KR" sz="1400" dirty="0" smtClean="0"/>
+              <a:t>RUN ()</a:t>
+            </a:r>
+            <a:endParaRPr lang="en-US" altLang="ko-KR" sz="1400" dirty="0" smtClean="0"/>
+          </a:p>
+          <a:p>
+            <a:pPr algn="r"/>
+            <a:r>
+              <a:rPr lang="en-US" altLang="ko-KR" sz="1400" dirty="0" smtClean="0"/>
+              <a:t>SC_</a:t>
+            </a:r>
+            <a:r>
+              <a:rPr lang="en-US" altLang="ko-KR" sz="1400" dirty="0" smtClean="0"/>
+              <a:t>SKILL ()</a:t>
+            </a:r>
+          </a:p>
+          <a:p>
+            <a:pPr algn="r"/>
+            <a:r>
+              <a:rPr lang="en-US" altLang="ko-KR" sz="1400" dirty="0" smtClean="0"/>
+              <a:t>SC_END ()</a:t>
+            </a:r>
+            <a:endParaRPr lang="ko-KR" altLang="en-US" sz="1400" dirty="0"/>
+          </a:p>
+        </p:txBody>
+      </p:sp>
+      <p:sp>
+        <p:nvSpPr>
+          <p:cNvPr id="30" name="TextBox 29"/>
+          <p:cNvSpPr txBox="1"/>
+          <p:nvPr/>
+        </p:nvSpPr>
+        <p:spPr>
+          <a:xfrm>
+            <a:off x="5920527" y="4557945"/>
+            <a:ext cx="1018227" cy="307777"/>
+          </a:xfrm>
+          <a:prstGeom prst="rect">
+            <a:avLst/>
+          </a:prstGeom>
+          <a:noFill/>
+        </p:spPr>
+        <p:txBody>
+          <a:bodyPr wrap="none" rtlCol="0">
+            <a:spAutoFit/>
+          </a:bodyPr>
+          <a:lstStyle/>
+          <a:p>
+            <a:pPr algn="r"/>
+            <a:r>
+              <a:rPr lang="en-US" altLang="ko-KR" sz="1400" dirty="0" smtClean="0"/>
+              <a:t>CS_</a:t>
+            </a:r>
+            <a:r>
+              <a:rPr lang="en-US" altLang="ko-KR" sz="1400" dirty="0" smtClean="0"/>
+              <a:t>RUN ()</a:t>
+            </a:r>
+            <a:endParaRPr lang="ko-KR" altLang="en-US" sz="1400" dirty="0"/>
+          </a:p>
+        </p:txBody>
+      </p:sp>
+      <p:sp>
+        <p:nvSpPr>
+          <p:cNvPr id="38" name="직사각형 37"/>
+          <p:cNvSpPr/>
+          <p:nvPr/>
+        </p:nvSpPr>
+        <p:spPr>
+          <a:xfrm>
+            <a:off x="4499991" y="3933056"/>
+            <a:ext cx="2088232" cy="576064"/>
+          </a:xfrm>
+          <a:prstGeom prst="rect">
+            <a:avLst/>
+          </a:prstGeom>
+          <a:solidFill>
+            <a:schemeClr val="tx1">
+              <a:lumMod val="50000"/>
+              <a:lumOff val="50000"/>
+            </a:schemeClr>
+          </a:solidFill>
+          <a:ln>
+            <a:solidFill>
+              <a:schemeClr val="tx1">
+                <a:lumMod val="50000"/>
+                <a:lumOff val="50000"/>
+              </a:schemeClr>
+            </a:solidFill>
+          </a:ln>
+        </p:spPr>
+        <p:style>
+          <a:lnRef idx="2">
+            <a:schemeClr val="accent1">
+              <a:shade val="50000"/>
+            </a:schemeClr>
+          </a:lnRef>
+          <a:fillRef idx="1">
+            <a:schemeClr val="accent1"/>
+          </a:fillRef>
+          <a:effectRef idx="0">
+            <a:schemeClr val="accent1"/>
+          </a:effectRef>
+          <a:fontRef idx="minor">
+            <a:schemeClr val="lt1"/>
+          </a:fontRef>
+        </p:style>
+        <p:txBody>
+          <a:bodyPr rtlCol="0" anchor="ctr"/>
+          <a:lstStyle/>
+          <a:p>
+            <a:pPr algn="ctr"/>
+            <a:r>
+              <a:rPr lang="en-US" altLang="ko-KR" dirty="0" err="1" smtClean="0"/>
+              <a:t>RecvThread</a:t>
+            </a:r>
+            <a:r>
+              <a:rPr lang="en-US" altLang="ko-KR" dirty="0" smtClean="0"/>
+              <a:t>()</a:t>
+            </a:r>
+            <a:endParaRPr lang="ko-KR" altLang="en-US" dirty="0"/>
+          </a:p>
+        </p:txBody>
+      </p:sp>
+      <p:cxnSp>
+        <p:nvCxnSpPr>
+          <p:cNvPr id="31" name="꺾인 연결선 30"/>
+          <p:cNvCxnSpPr/>
+          <p:nvPr/>
+        </p:nvCxnSpPr>
+        <p:spPr>
+          <a:xfrm rot="10800000">
+            <a:off x="6588224" y="4218259"/>
+            <a:ext cx="648073" cy="1010940"/>
+          </a:xfrm>
+          <a:prstGeom prst="bentConnector3">
+            <a:avLst>
+              <a:gd name="adj1" fmla="val 50000"/>
+            </a:avLst>
           </a:prstGeom>
           <a:ln>
             <a:solidFill>
@@ -4974,219 +5362,19 @@
       </p:cxnSp>
       <p:cxnSp>
         <p:nvCxnSpPr>
-          <p:cNvPr id="37" name="꺾인 연결선 36"/>
+          <p:cNvPr id="54" name="직선 화살표 연결선 53"/>
           <p:cNvCxnSpPr>
-            <a:stCxn id="24" idx="1"/>
+            <a:stCxn id="23" idx="2"/>
+            <a:endCxn id="38" idx="0"/>
           </p:cNvCxnSpPr>
           <p:nvPr/>
         </p:nvCxnSpPr>
         <p:spPr>
-          <a:xfrm rot="10800000">
-            <a:off x="2320734" y="4437112"/>
-            <a:ext cx="2232248" cy="1864908"/>
-          </a:xfrm>
-          <a:prstGeom prst="bentConnector3">
-            <a:avLst/>
-          </a:prstGeom>
-          <a:ln>
-            <a:solidFill>
-              <a:schemeClr val="tx1"/>
-            </a:solidFill>
-            <a:tailEnd type="arrow"/>
-          </a:ln>
-        </p:spPr>
-        <p:style>
-          <a:lnRef idx="1">
-            <a:schemeClr val="accent1"/>
-          </a:lnRef>
-          <a:fillRef idx="0">
-            <a:schemeClr val="accent1"/>
-          </a:fillRef>
-          <a:effectRef idx="0">
-            <a:schemeClr val="accent1"/>
-          </a:effectRef>
-          <a:fontRef idx="minor">
-            <a:schemeClr val="tx1"/>
-          </a:fontRef>
-        </p:style>
-      </p:cxnSp>
-      <p:sp>
-        <p:nvSpPr>
-          <p:cNvPr id="41" name="TextBox 40"/>
-          <p:cNvSpPr txBox="1"/>
-          <p:nvPr/>
-        </p:nvSpPr>
-        <p:spPr>
-          <a:xfrm>
-            <a:off x="3112822" y="529877"/>
-            <a:ext cx="1144865" cy="307777"/>
-          </a:xfrm>
-          <a:prstGeom prst="rect">
-            <a:avLst/>
-          </a:prstGeom>
-          <a:noFill/>
-        </p:spPr>
-        <p:txBody>
-          <a:bodyPr wrap="none" rtlCol="0">
-            <a:spAutoFit/>
-          </a:bodyPr>
-          <a:lstStyle/>
-          <a:p>
-            <a:r>
-              <a:rPr lang="ko-KR" altLang="en-US" sz="1400" dirty="0" err="1" smtClean="0"/>
-              <a:t>스레드</a:t>
-            </a:r>
-            <a:r>
-              <a:rPr lang="ko-KR" altLang="en-US" sz="1400" dirty="0" smtClean="0"/>
-              <a:t> 생성</a:t>
-            </a:r>
-            <a:endParaRPr lang="ko-KR" altLang="en-US" sz="1400" dirty="0"/>
-          </a:p>
-        </p:txBody>
-      </p:sp>
-      <p:sp>
-        <p:nvSpPr>
-          <p:cNvPr id="47" name="TextBox 46"/>
-          <p:cNvSpPr txBox="1"/>
-          <p:nvPr/>
-        </p:nvSpPr>
-        <p:spPr>
-          <a:xfrm>
-            <a:off x="3401558" y="6001810"/>
-            <a:ext cx="723275" cy="307777"/>
-          </a:xfrm>
-          <a:prstGeom prst="rect">
-            <a:avLst/>
-          </a:prstGeom>
-          <a:noFill/>
-        </p:spPr>
-        <p:txBody>
-          <a:bodyPr wrap="none" rtlCol="0">
-            <a:spAutoFit/>
-          </a:bodyPr>
-          <a:lstStyle/>
-          <a:p>
-            <a:r>
-              <a:rPr lang="ko-KR" altLang="en-US" sz="1400" dirty="0" err="1" smtClean="0"/>
-              <a:t>키입력</a:t>
-            </a:r>
-            <a:endParaRPr lang="ko-KR" altLang="en-US" sz="1400" dirty="0"/>
-          </a:p>
-        </p:txBody>
-      </p:sp>
-      <p:sp>
-        <p:nvSpPr>
-          <p:cNvPr id="49" name="TextBox 48"/>
-          <p:cNvSpPr txBox="1"/>
-          <p:nvPr/>
-        </p:nvSpPr>
-        <p:spPr>
-          <a:xfrm>
-            <a:off x="1333851" y="2471864"/>
-            <a:ext cx="1867819" cy="307777"/>
-          </a:xfrm>
-          <a:prstGeom prst="rect">
-            <a:avLst/>
-          </a:prstGeom>
-          <a:noFill/>
-        </p:spPr>
-        <p:txBody>
-          <a:bodyPr wrap="none" rtlCol="0">
-            <a:spAutoFit/>
-          </a:bodyPr>
-          <a:lstStyle/>
-          <a:p>
-            <a:r>
-              <a:rPr lang="ko-KR" altLang="en-US" sz="1400" dirty="0" smtClean="0"/>
-              <a:t>클라이언트 </a:t>
-            </a:r>
-            <a:r>
-              <a:rPr lang="en-US" altLang="ko-KR" sz="1400" dirty="0" smtClean="0"/>
-              <a:t>1, 2</a:t>
-            </a:r>
-            <a:r>
-              <a:rPr lang="ko-KR" altLang="en-US" sz="1400" dirty="0" smtClean="0"/>
-              <a:t>입장</a:t>
-            </a:r>
-            <a:endParaRPr lang="ko-KR" altLang="en-US" sz="1400" dirty="0"/>
-          </a:p>
-        </p:txBody>
-      </p:sp>
-      <p:sp>
-        <p:nvSpPr>
-          <p:cNvPr id="2" name="순서도: 대체 처리 1"/>
-          <p:cNvSpPr/>
-          <p:nvPr/>
-        </p:nvSpPr>
-        <p:spPr>
-          <a:xfrm>
-            <a:off x="7236296" y="4828301"/>
-            <a:ext cx="1728192" cy="905104"/>
-          </a:xfrm>
-          <a:prstGeom prst="flowChartAlternateProcess">
-            <a:avLst/>
-          </a:prstGeom>
-          <a:solidFill>
-            <a:schemeClr val="bg1"/>
-          </a:solidFill>
-          <a:ln>
-            <a:solidFill>
-              <a:schemeClr val="tx1"/>
-            </a:solidFill>
-          </a:ln>
-        </p:spPr>
-        <p:style>
-          <a:lnRef idx="2">
-            <a:schemeClr val="accent1">
-              <a:shade val="50000"/>
-            </a:schemeClr>
-          </a:lnRef>
-          <a:fillRef idx="1">
-            <a:schemeClr val="accent1"/>
-          </a:fillRef>
-          <a:effectRef idx="0">
-            <a:schemeClr val="accent1"/>
-          </a:effectRef>
-          <a:fontRef idx="minor">
-            <a:schemeClr val="lt1"/>
-          </a:fontRef>
-        </p:style>
-        <p:txBody>
-          <a:bodyPr rtlCol="0" anchor="ctr"/>
-          <a:lstStyle/>
-          <a:p>
-            <a:pPr algn="ctr"/>
-            <a:r>
-              <a:rPr lang="ko-KR" altLang="en-US" dirty="0" smtClean="0">
-                <a:solidFill>
-                  <a:schemeClr val="tx1"/>
-                </a:solidFill>
-              </a:rPr>
-              <a:t>클라이언</a:t>
-            </a:r>
-            <a:r>
-              <a:rPr lang="ko-KR" altLang="en-US" dirty="0">
-                <a:solidFill>
-                  <a:schemeClr val="tx1"/>
-                </a:solidFill>
-              </a:rPr>
-              <a:t>트</a:t>
-            </a:r>
-          </a:p>
-        </p:txBody>
-      </p:sp>
-      <p:cxnSp>
-        <p:nvCxnSpPr>
-          <p:cNvPr id="10" name="꺾인 연결선 9"/>
-          <p:cNvCxnSpPr/>
-          <p:nvPr/>
-        </p:nvCxnSpPr>
-        <p:spPr>
-          <a:xfrm>
-            <a:off x="6641214" y="4192677"/>
-            <a:ext cx="595082" cy="987069"/>
-          </a:xfrm>
-          <a:prstGeom prst="bentConnector3">
+          <a:xfrm>
+            <a:off x="5544107" y="2501170"/>
+            <a:ext cx="0" cy="1431886"/>
+          </a:xfrm>
+          <a:prstGeom prst="straightConnector1">
             <a:avLst/>
           </a:prstGeom>
           <a:ln>
@@ -5213,17 +5401,17 @@
       </p:cxnSp>
       <p:cxnSp>
         <p:nvCxnSpPr>
-          <p:cNvPr id="17" name="꺾인 연결선 16"/>
+          <p:cNvPr id="57" name="꺾인 연결선 56"/>
           <p:cNvCxnSpPr>
-            <a:stCxn id="2" idx="1"/>
-            <a:endCxn id="24" idx="3"/>
+            <a:stCxn id="8" idx="3"/>
+            <a:endCxn id="24" idx="1"/>
           </p:cNvCxnSpPr>
           <p:nvPr/>
         </p:nvCxnSpPr>
         <p:spPr>
-          <a:xfrm rot="10800000" flipV="1">
-            <a:off x="6641214" y="5280852"/>
-            <a:ext cx="595082" cy="1021167"/>
+          <a:xfrm>
+            <a:off x="2320734" y="4290388"/>
+            <a:ext cx="2179257" cy="2011632"/>
           </a:xfrm>
           <a:prstGeom prst="bentConnector3">
             <a:avLst/>
@@ -5252,21 +5440,20 @@
       </p:cxnSp>
       <p:cxnSp>
         <p:nvCxnSpPr>
-          <p:cNvPr id="27" name="꺾인 연결선 26"/>
+          <p:cNvPr id="59" name="꺾인 연결선 58"/>
           <p:cNvCxnSpPr>
-            <a:stCxn id="6" idx="3"/>
+            <a:stCxn id="24" idx="3"/>
+            <a:endCxn id="2" idx="1"/>
           </p:cNvCxnSpPr>
           <p:nvPr/>
         </p:nvCxnSpPr>
         <p:spPr>
-          <a:xfrm>
-            <a:off x="2104710" y="3158230"/>
-            <a:ext cx="2448272" cy="1006046"/>
+          <a:xfrm flipV="1">
+            <a:off x="6588223" y="5280853"/>
+            <a:ext cx="648073" cy="1021167"/>
           </a:xfrm>
           <a:prstGeom prst="bentConnector3">
-            <a:avLst>
-              <a:gd name="adj1" fmla="val 54423"/>
-            </a:avLst>
+            <a:avLst/>
           </a:prstGeom>
           <a:ln>
             <a:solidFill>
@@ -5290,16 +5477,95 @@
           </a:fontRef>
         </p:style>
       </p:cxnSp>
-      <p:sp>
-        <p:nvSpPr>
-          <p:cNvPr id="40" name="TextBox 39"/>
+      <p:cxnSp>
+        <p:nvCxnSpPr>
+          <p:cNvPr id="67" name="직선 화살표 연결선 66"/>
+          <p:cNvCxnSpPr>
+            <a:stCxn id="38" idx="1"/>
+          </p:cNvCxnSpPr>
+          <p:nvPr/>
+        </p:nvCxnSpPr>
+        <p:spPr>
+          <a:xfrm flipH="1">
+            <a:off x="2320735" y="4221088"/>
+            <a:ext cx="2179256" cy="0"/>
+          </a:xfrm>
+          <a:prstGeom prst="straightConnector1">
+            <a:avLst/>
+          </a:prstGeom>
+          <a:ln>
+            <a:solidFill>
+              <a:schemeClr val="tx1"/>
+            </a:solidFill>
+            <a:tailEnd type="arrow"/>
+          </a:ln>
+        </p:spPr>
+        <p:style>
+          <a:lnRef idx="1">
+            <a:schemeClr val="accent1"/>
+          </a:lnRef>
+          <a:fillRef idx="0">
+            <a:schemeClr val="accent1"/>
+          </a:fillRef>
+          <a:effectRef idx="0">
+            <a:schemeClr val="accent1"/>
+          </a:effectRef>
+          <a:fontRef idx="minor">
+            <a:schemeClr val="tx1"/>
+          </a:fontRef>
+        </p:style>
+      </p:cxnSp>
+      <p:cxnSp>
+        <p:nvCxnSpPr>
+          <p:cNvPr id="70" name="꺾인 연결선 69"/>
+          <p:cNvCxnSpPr>
+            <a:stCxn id="6" idx="3"/>
+            <a:endCxn id="24" idx="1"/>
+          </p:cNvCxnSpPr>
+          <p:nvPr/>
+        </p:nvCxnSpPr>
+        <p:spPr>
+          <a:xfrm>
+            <a:off x="2104710" y="3158230"/>
+            <a:ext cx="2395281" cy="3143790"/>
+          </a:xfrm>
+          <a:prstGeom prst="bentConnector3">
+            <a:avLst>
+              <a:gd name="adj1" fmla="val 54682"/>
+            </a:avLst>
+          </a:prstGeom>
+          <a:ln>
+            <a:solidFill>
+              <a:schemeClr val="tx1"/>
+            </a:solidFill>
+            <a:tailEnd type="arrow"/>
+          </a:ln>
+        </p:spPr>
+        <p:style>
+          <a:lnRef idx="1">
+            <a:schemeClr val="accent1"/>
+          </a:lnRef>
+          <a:fillRef idx="0">
+            <a:schemeClr val="accent1"/>
+          </a:fillRef>
+          <a:effectRef idx="0">
+            <a:schemeClr val="accent1"/>
+          </a:effectRef>
+          <a:fontRef idx="minor">
+            <a:schemeClr val="tx1"/>
+          </a:fontRef>
+        </p:style>
+      </p:cxnSp>
+      <p:sp>
+        <p:nvSpPr>
+          <p:cNvPr id="72" name="TextBox 71"/>
           <p:cNvSpPr txBox="1"/>
           <p:nvPr/>
         </p:nvSpPr>
         <p:spPr>
           <a:xfrm>
-            <a:off x="5195680" y="4933868"/>
-            <a:ext cx="1759200" cy="523220"/>
+            <a:off x="5555642" y="3004340"/>
+            <a:ext cx="1144865" cy="307777"/>
           </a:xfrm>
           <a:prstGeom prst="rect">
             <a:avLst/>
@@ -5312,77 +5578,13 @@
           </a:bodyPr>
           <a:lstStyle/>
           <a:p>
-            <a:pPr algn="r"/>
-            <a:r>
-              <a:rPr lang="en-US" altLang="ko-KR" sz="1400" dirty="0" smtClean="0"/>
-              <a:t>RUNTIME_PACKET()</a:t>
-            </a:r>
-          </a:p>
-          <a:p>
-            <a:pPr algn="r"/>
-            <a:r>
-              <a:rPr lang="en-US" altLang="ko-KR" sz="1400" dirty="0" smtClean="0"/>
-              <a:t>SKILL_PACKET()</a:t>
-            </a:r>
-            <a:endParaRPr lang="ko-KR" altLang="en-US" sz="1400" dirty="0"/>
-          </a:p>
-        </p:txBody>
-      </p:sp>
-      <p:sp>
-        <p:nvSpPr>
-          <p:cNvPr id="42" name="TextBox 41"/>
-          <p:cNvSpPr txBox="1"/>
-          <p:nvPr/>
-        </p:nvSpPr>
-        <p:spPr>
-          <a:xfrm>
-            <a:off x="3401558" y="3108203"/>
-            <a:ext cx="1313565" cy="307777"/>
-          </a:xfrm>
-          <a:prstGeom prst="rect">
-            <a:avLst/>
-          </a:prstGeom>
-          <a:noFill/>
-        </p:spPr>
-        <p:txBody>
-          <a:bodyPr wrap="none" rtlCol="0">
-            <a:spAutoFit/>
-          </a:bodyPr>
-          <a:lstStyle/>
-          <a:p>
-            <a:r>
-              <a:rPr lang="en-US" altLang="ko-KR" sz="1400" dirty="0" smtClean="0"/>
-              <a:t>INIT_PACKET()</a:t>
-            </a:r>
-            <a:endParaRPr lang="ko-KR" altLang="en-US" sz="1400" dirty="0"/>
-          </a:p>
-        </p:txBody>
-      </p:sp>
-      <p:sp>
-        <p:nvSpPr>
-          <p:cNvPr id="44" name="TextBox 43"/>
-          <p:cNvSpPr txBox="1"/>
-          <p:nvPr/>
-        </p:nvSpPr>
-        <p:spPr>
-          <a:xfrm>
-            <a:off x="6938752" y="4164276"/>
-            <a:ext cx="1342419" cy="307777"/>
-          </a:xfrm>
-          <a:prstGeom prst="rect">
-            <a:avLst/>
-          </a:prstGeom>
-          <a:noFill/>
-        </p:spPr>
-        <p:txBody>
-          <a:bodyPr wrap="none" rtlCol="0">
-            <a:spAutoFit/>
-          </a:bodyPr>
-          <a:lstStyle/>
-          <a:p>
-            <a:r>
-              <a:rPr lang="en-US" altLang="ko-KR" sz="1400" dirty="0" smtClean="0"/>
-              <a:t>END_PACKET()</a:t>
+            <a:r>
+              <a:rPr lang="ko-KR" altLang="en-US" sz="1400" dirty="0" err="1" smtClean="0"/>
+              <a:t>스레드</a:t>
+            </a:r>
+            <a:r>
+              <a:rPr lang="ko-KR" altLang="en-US" sz="1400" dirty="0" smtClean="0"/>
+              <a:t> 생성</a:t>
             </a:r>
             <a:endParaRPr lang="ko-KR" altLang="en-US" sz="1400" dirty="0"/>
           </a:p>

--- a/설계도.pptx
+++ b/설계도.pptx
@@ -3661,11 +3661,7 @@
             <a:pPr algn="ctr"/>
             <a:r>
               <a:rPr lang="en-US" altLang="ko-KR" dirty="0" err="1" smtClean="0"/>
-              <a:t>Client</a:t>
-            </a:r>
-            <a:r>
-              <a:rPr lang="en-US" altLang="ko-KR" dirty="0" err="1" smtClean="0"/>
-              <a:t>Thread</a:t>
+              <a:t>ClientThread</a:t>
             </a:r>
             <a:r>
               <a:rPr lang="en-US" altLang="ko-KR" dirty="0" smtClean="0"/>
@@ -3893,7 +3889,7 @@
         <p:spPr>
           <a:xfrm>
             <a:off x="2783948" y="3129829"/>
-            <a:ext cx="1313565" cy="307777"/>
+            <a:ext cx="974947" cy="307777"/>
           </a:xfrm>
           <a:prstGeom prst="rect">
             <a:avLst/>
@@ -3908,7 +3904,7 @@
           <a:p>
             <a:r>
               <a:rPr lang="en-US" altLang="ko-KR" sz="1400" dirty="0" smtClean="0"/>
-              <a:t>INIT_PACKET()</a:t>
+              <a:t>SC_INIT ()</a:t>
             </a:r>
             <a:endParaRPr lang="ko-KR" altLang="en-US" sz="1400" dirty="0"/>
           </a:p>
@@ -4050,7 +4046,7 @@
         </p:nvCxnSpPr>
         <p:spPr>
           <a:xfrm>
-            <a:off x="6641214" y="4192677"/>
+            <a:off x="6641214" y="4242131"/>
             <a:ext cx="595082" cy="987069"/>
           </a:xfrm>
           <a:prstGeom prst="bentConnector3">
@@ -4163,8 +4159,8 @@
         </p:nvSpPr>
         <p:spPr>
           <a:xfrm>
-            <a:off x="5195680" y="4933868"/>
-            <a:ext cx="1759200" cy="523220"/>
+            <a:off x="5936653" y="4580984"/>
+            <a:ext cx="1018227" cy="307777"/>
           </a:xfrm>
           <a:prstGeom prst="rect">
             <a:avLst/>
@@ -4180,14 +4176,7 @@
             <a:pPr algn="r"/>
             <a:r>
               <a:rPr lang="en-US" altLang="ko-KR" sz="1400" dirty="0" smtClean="0"/>
-              <a:t>RUNTIME_PACKET()</a:t>
-            </a:r>
-          </a:p>
-          <a:p>
-            <a:pPr algn="r"/>
-            <a:r>
-              <a:rPr lang="en-US" altLang="ko-KR" sz="1400" dirty="0" smtClean="0"/>
-              <a:t>SKILL_PACKET()</a:t>
+              <a:t>CS_RUN ()</a:t>
             </a:r>
             <a:endParaRPr lang="ko-KR" altLang="en-US" sz="1400" dirty="0"/>
           </a:p>
@@ -4201,8 +4190,8 @@
         </p:nvSpPr>
         <p:spPr>
           <a:xfrm>
-            <a:off x="3216201" y="6253924"/>
-            <a:ext cx="1342419" cy="307777"/>
+            <a:off x="3604846" y="6253924"/>
+            <a:ext cx="1003801" cy="307777"/>
           </a:xfrm>
           <a:prstGeom prst="rect">
             <a:avLst/>
@@ -4217,7 +4206,45 @@
           <a:p>
             <a:r>
               <a:rPr lang="en-US" altLang="ko-KR" sz="1400" dirty="0" smtClean="0"/>
-              <a:t>END_PACKET()</a:t>
+              <a:t>SC_END ()</a:t>
+            </a:r>
+            <a:endParaRPr lang="ko-KR" altLang="en-US" sz="1400" dirty="0"/>
+          </a:p>
+        </p:txBody>
+      </p:sp>
+      <p:sp>
+        <p:nvSpPr>
+          <p:cNvPr id="29" name="TextBox 28"/>
+          <p:cNvSpPr txBox="1"/>
+          <p:nvPr/>
+        </p:nvSpPr>
+        <p:spPr>
+          <a:xfrm>
+            <a:off x="5869230" y="5471795"/>
+            <a:ext cx="1069524" cy="523220"/>
+          </a:xfrm>
+          <a:prstGeom prst="rect">
+            <a:avLst/>
+          </a:prstGeom>
+          <a:noFill/>
+        </p:spPr>
+        <p:txBody>
+          <a:bodyPr wrap="none" rtlCol="0">
+            <a:spAutoFit/>
+          </a:bodyPr>
+          <a:lstStyle/>
+          <a:p>
+            <a:pPr algn="r"/>
+            <a:r>
+              <a:rPr lang="en-US" altLang="ko-KR" sz="1400" dirty="0" smtClean="0"/>
+              <a:t>SC_RUN ()</a:t>
+            </a:r>
+          </a:p>
+          <a:p>
+            <a:pPr algn="r"/>
+            <a:r>
+              <a:rPr lang="en-US" altLang="ko-KR" sz="1400" dirty="0" smtClean="0"/>
+              <a:t>SC_SKILL ()</a:t>
             </a:r>
             <a:endParaRPr lang="ko-KR" altLang="en-US" sz="1400" dirty="0"/>
           </a:p>
@@ -4781,7 +4808,7 @@
         </p:nvSpPr>
         <p:spPr>
           <a:xfrm>
-            <a:off x="4552982" y="4005752"/>
+            <a:off x="4499991" y="1925106"/>
             <a:ext cx="2088232" cy="576064"/>
           </a:xfrm>
           <a:prstGeom prst="rect">
@@ -4843,7 +4870,7 @@
         </p:nvSpPr>
         <p:spPr>
           <a:xfrm>
-            <a:off x="4552982" y="6013988"/>
+            <a:off x="4499991" y="6013988"/>
             <a:ext cx="2088232" cy="576064"/>
           </a:xfrm>
           <a:prstGeom prst="rect">
@@ -4887,7 +4914,11 @@
             <a:pPr algn="ctr"/>
             <a:r>
               <a:rPr lang="en-US" altLang="ko-KR" dirty="0" err="1" smtClean="0"/>
-              <a:t>RecvThread</a:t>
+              <a:t>Send</a:t>
+            </a:r>
+            <a:r>
+              <a:rPr lang="en-US" altLang="ko-KR" dirty="0" err="1" smtClean="0"/>
+              <a:t>Packet</a:t>
             </a:r>
             <a:r>
               <a:rPr lang="en-US" altLang="ko-KR" dirty="0" smtClean="0"/>
@@ -4897,42 +4928,6 @@
           </a:p>
         </p:txBody>
       </p:sp>
-      <p:cxnSp>
-        <p:nvCxnSpPr>
-          <p:cNvPr id="26" name="직선 화살표 연결선 25"/>
-          <p:cNvCxnSpPr/>
-          <p:nvPr/>
-        </p:nvCxnSpPr>
-        <p:spPr>
-          <a:xfrm>
-            <a:off x="2320734" y="4300644"/>
-            <a:ext cx="2232248" cy="3396"/>
-          </a:xfrm>
-          <a:prstGeom prst="straightConnector1">
-            <a:avLst/>
-          </a:prstGeom>
-          <a:ln>
-            <a:solidFill>
-              <a:schemeClr val="tx1"/>
-            </a:solidFill>
-            <a:tailEnd type="arrow"/>
-          </a:ln>
-        </p:spPr>
-        <p:style>
-          <a:lnRef idx="1">
-            <a:schemeClr val="accent1"/>
-          </a:lnRef>
-          <a:fillRef idx="0">
-            <a:schemeClr val="accent1"/>
-          </a:fillRef>
-          <a:effectRef idx="0">
-            <a:schemeClr val="accent1"/>
-          </a:effectRef>
-          <a:fontRef idx="minor">
-            <a:schemeClr val="tx1"/>
-          </a:fontRef>
-        </p:style>
-      </p:cxnSp>
       <p:cxnSp>
         <p:nvCxnSpPr>
           <p:cNvPr id="28" name="꺾인 연결선 27"/>
@@ -4945,10 +4940,381 @@
         <p:spPr>
           <a:xfrm>
             <a:off x="2392742" y="864175"/>
-            <a:ext cx="3204356" cy="3141577"/>
+            <a:ext cx="3151365" cy="1060931"/>
           </a:xfrm>
           <a:prstGeom prst="bentConnector2">
             <a:avLst/>
+          </a:prstGeom>
+          <a:ln>
+            <a:solidFill>
+              <a:schemeClr val="tx1"/>
+            </a:solidFill>
+            <a:tailEnd type="arrow"/>
+          </a:ln>
+        </p:spPr>
+        <p:style>
+          <a:lnRef idx="1">
+            <a:schemeClr val="accent1"/>
+          </a:lnRef>
+          <a:fillRef idx="0">
+            <a:schemeClr val="accent1"/>
+          </a:fillRef>
+          <a:effectRef idx="0">
+            <a:schemeClr val="accent1"/>
+          </a:effectRef>
+          <a:fontRef idx="minor">
+            <a:schemeClr val="tx1"/>
+          </a:fontRef>
+        </p:style>
+      </p:cxnSp>
+      <p:sp>
+        <p:nvSpPr>
+          <p:cNvPr id="41" name="TextBox 40"/>
+          <p:cNvSpPr txBox="1"/>
+          <p:nvPr/>
+        </p:nvSpPr>
+        <p:spPr>
+          <a:xfrm>
+            <a:off x="3112822" y="529877"/>
+            <a:ext cx="1144865" cy="307777"/>
+          </a:xfrm>
+          <a:prstGeom prst="rect">
+            <a:avLst/>
+          </a:prstGeom>
+          <a:noFill/>
+        </p:spPr>
+        <p:txBody>
+          <a:bodyPr wrap="none" rtlCol="0">
+            <a:spAutoFit/>
+          </a:bodyPr>
+          <a:lstStyle/>
+          <a:p>
+            <a:r>
+              <a:rPr lang="ko-KR" altLang="en-US" sz="1400" dirty="0" err="1" smtClean="0"/>
+              <a:t>스레드</a:t>
+            </a:r>
+            <a:r>
+              <a:rPr lang="ko-KR" altLang="en-US" sz="1400" dirty="0" smtClean="0"/>
+              <a:t> 생성</a:t>
+            </a:r>
+            <a:endParaRPr lang="ko-KR" altLang="en-US" sz="1400" dirty="0"/>
+          </a:p>
+        </p:txBody>
+      </p:sp>
+      <p:sp>
+        <p:nvSpPr>
+          <p:cNvPr id="47" name="TextBox 46"/>
+          <p:cNvSpPr txBox="1"/>
+          <p:nvPr/>
+        </p:nvSpPr>
+        <p:spPr>
+          <a:xfrm>
+            <a:off x="3776716" y="3933056"/>
+            <a:ext cx="723275" cy="307777"/>
+          </a:xfrm>
+          <a:prstGeom prst="rect">
+            <a:avLst/>
+          </a:prstGeom>
+          <a:noFill/>
+        </p:spPr>
+        <p:txBody>
+          <a:bodyPr wrap="none" rtlCol="0">
+            <a:spAutoFit/>
+          </a:bodyPr>
+          <a:lstStyle/>
+          <a:p>
+            <a:r>
+              <a:rPr lang="ko-KR" altLang="en-US" sz="1400" dirty="0" err="1" smtClean="0"/>
+              <a:t>키입력</a:t>
+            </a:r>
+            <a:endParaRPr lang="ko-KR" altLang="en-US" sz="1400" dirty="0"/>
+          </a:p>
+        </p:txBody>
+      </p:sp>
+      <p:sp>
+        <p:nvSpPr>
+          <p:cNvPr id="49" name="TextBox 48"/>
+          <p:cNvSpPr txBox="1"/>
+          <p:nvPr/>
+        </p:nvSpPr>
+        <p:spPr>
+          <a:xfrm>
+            <a:off x="1333851" y="2471864"/>
+            <a:ext cx="1867819" cy="307777"/>
+          </a:xfrm>
+          <a:prstGeom prst="rect">
+            <a:avLst/>
+          </a:prstGeom>
+          <a:noFill/>
+        </p:spPr>
+        <p:txBody>
+          <a:bodyPr wrap="none" rtlCol="0">
+            <a:spAutoFit/>
+          </a:bodyPr>
+          <a:lstStyle/>
+          <a:p>
+            <a:r>
+              <a:rPr lang="ko-KR" altLang="en-US" sz="1400" dirty="0" smtClean="0"/>
+              <a:t>클라이언트 </a:t>
+            </a:r>
+            <a:r>
+              <a:rPr lang="en-US" altLang="ko-KR" sz="1400" dirty="0" smtClean="0"/>
+              <a:t>1, 2</a:t>
+            </a:r>
+            <a:r>
+              <a:rPr lang="ko-KR" altLang="en-US" sz="1400" dirty="0" smtClean="0"/>
+              <a:t>입장</a:t>
+            </a:r>
+            <a:endParaRPr lang="ko-KR" altLang="en-US" sz="1400" dirty="0"/>
+          </a:p>
+        </p:txBody>
+      </p:sp>
+      <p:sp>
+        <p:nvSpPr>
+          <p:cNvPr id="2" name="순서도: 대체 처리 1"/>
+          <p:cNvSpPr/>
+          <p:nvPr/>
+        </p:nvSpPr>
+        <p:spPr>
+          <a:xfrm>
+            <a:off x="7236296" y="4828301"/>
+            <a:ext cx="1728192" cy="905104"/>
+          </a:xfrm>
+          <a:prstGeom prst="flowChartAlternateProcess">
+            <a:avLst/>
+          </a:prstGeom>
+          <a:solidFill>
+            <a:schemeClr val="bg1"/>
+          </a:solidFill>
+          <a:ln>
+            <a:solidFill>
+              <a:schemeClr val="tx1"/>
+            </a:solidFill>
+          </a:ln>
+        </p:spPr>
+        <p:style>
+          <a:lnRef idx="2">
+            <a:schemeClr val="accent1">
+              <a:shade val="50000"/>
+            </a:schemeClr>
+          </a:lnRef>
+          <a:fillRef idx="1">
+            <a:schemeClr val="accent1"/>
+          </a:fillRef>
+          <a:effectRef idx="0">
+            <a:schemeClr val="accent1"/>
+          </a:effectRef>
+          <a:fontRef idx="minor">
+            <a:schemeClr val="lt1"/>
+          </a:fontRef>
+        </p:style>
+        <p:txBody>
+          <a:bodyPr rtlCol="0" anchor="ctr"/>
+          <a:lstStyle/>
+          <a:p>
+            <a:pPr algn="ctr"/>
+            <a:r>
+              <a:rPr lang="ko-KR" altLang="en-US" dirty="0" smtClean="0">
+                <a:solidFill>
+                  <a:schemeClr val="tx1"/>
+                </a:solidFill>
+              </a:rPr>
+              <a:t>클라이언</a:t>
+            </a:r>
+            <a:r>
+              <a:rPr lang="ko-KR" altLang="en-US" dirty="0">
+                <a:solidFill>
+                  <a:schemeClr val="tx1"/>
+                </a:solidFill>
+              </a:rPr>
+              <a:t>트</a:t>
+            </a:r>
+          </a:p>
+        </p:txBody>
+      </p:sp>
+      <p:sp>
+        <p:nvSpPr>
+          <p:cNvPr id="42" name="TextBox 41"/>
+          <p:cNvSpPr txBox="1"/>
+          <p:nvPr/>
+        </p:nvSpPr>
+        <p:spPr>
+          <a:xfrm>
+            <a:off x="2494660" y="3175593"/>
+            <a:ext cx="974947" cy="307777"/>
+          </a:xfrm>
+          <a:prstGeom prst="rect">
+            <a:avLst/>
+          </a:prstGeom>
+          <a:noFill/>
+        </p:spPr>
+        <p:txBody>
+          <a:bodyPr wrap="none" rtlCol="0">
+            <a:spAutoFit/>
+          </a:bodyPr>
+          <a:lstStyle/>
+          <a:p>
+            <a:r>
+              <a:rPr lang="en-US" altLang="ko-KR" sz="1400" dirty="0" smtClean="0"/>
+              <a:t>SC_INIT ()</a:t>
+            </a:r>
+            <a:endParaRPr lang="ko-KR" altLang="en-US" sz="1400" dirty="0"/>
+          </a:p>
+        </p:txBody>
+      </p:sp>
+      <p:sp>
+        <p:nvSpPr>
+          <p:cNvPr id="29" name="TextBox 28"/>
+          <p:cNvSpPr txBox="1"/>
+          <p:nvPr/>
+        </p:nvSpPr>
+        <p:spPr>
+          <a:xfrm>
+            <a:off x="5849619" y="5275324"/>
+            <a:ext cx="1069588" cy="738664"/>
+          </a:xfrm>
+          <a:prstGeom prst="rect">
+            <a:avLst/>
+          </a:prstGeom>
+          <a:noFill/>
+        </p:spPr>
+        <p:txBody>
+          <a:bodyPr wrap="none" rtlCol="0">
+            <a:spAutoFit/>
+          </a:bodyPr>
+          <a:lstStyle/>
+          <a:p>
+            <a:pPr algn="r"/>
+            <a:r>
+              <a:rPr lang="en-US" altLang="ko-KR" sz="1400" dirty="0" smtClean="0"/>
+              <a:t>SC_RUN ()</a:t>
+            </a:r>
+          </a:p>
+          <a:p>
+            <a:pPr algn="r"/>
+            <a:r>
+              <a:rPr lang="en-US" altLang="ko-KR" sz="1400" dirty="0" smtClean="0"/>
+              <a:t>SC_SKILL ()</a:t>
+            </a:r>
+          </a:p>
+          <a:p>
+            <a:pPr algn="r"/>
+            <a:r>
+              <a:rPr lang="en-US" altLang="ko-KR" sz="1400" dirty="0" smtClean="0"/>
+              <a:t>SC_END ()</a:t>
+            </a:r>
+            <a:endParaRPr lang="ko-KR" altLang="en-US" sz="1400" dirty="0"/>
+          </a:p>
+        </p:txBody>
+      </p:sp>
+      <p:sp>
+        <p:nvSpPr>
+          <p:cNvPr id="30" name="TextBox 29"/>
+          <p:cNvSpPr txBox="1"/>
+          <p:nvPr/>
+        </p:nvSpPr>
+        <p:spPr>
+          <a:xfrm>
+            <a:off x="5920527" y="4557945"/>
+            <a:ext cx="1018227" cy="307777"/>
+          </a:xfrm>
+          <a:prstGeom prst="rect">
+            <a:avLst/>
+          </a:prstGeom>
+          <a:noFill/>
+        </p:spPr>
+        <p:txBody>
+          <a:bodyPr wrap="none" rtlCol="0">
+            <a:spAutoFit/>
+          </a:bodyPr>
+          <a:lstStyle/>
+          <a:p>
+            <a:pPr algn="r"/>
+            <a:r>
+              <a:rPr lang="en-US" altLang="ko-KR" sz="1400" dirty="0" smtClean="0"/>
+              <a:t>CS_RUN ()</a:t>
+            </a:r>
+            <a:endParaRPr lang="ko-KR" altLang="en-US" sz="1400" dirty="0"/>
+          </a:p>
+        </p:txBody>
+      </p:sp>
+      <p:sp>
+        <p:nvSpPr>
+          <p:cNvPr id="38" name="직사각형 37"/>
+          <p:cNvSpPr/>
+          <p:nvPr/>
+        </p:nvSpPr>
+        <p:spPr>
+          <a:xfrm>
+            <a:off x="4499991" y="3933056"/>
+            <a:ext cx="2088232" cy="576064"/>
+          </a:xfrm>
+          <a:prstGeom prst="rect">
+            <a:avLst/>
+          </a:prstGeom>
+          <a:solidFill>
+            <a:schemeClr val="tx1">
+              <a:lumMod val="50000"/>
+              <a:lumOff val="50000"/>
+            </a:schemeClr>
+          </a:solidFill>
+          <a:ln>
+            <a:solidFill>
+              <a:schemeClr val="tx1">
+                <a:lumMod val="50000"/>
+                <a:lumOff val="50000"/>
+              </a:schemeClr>
+            </a:solidFill>
+          </a:ln>
+        </p:spPr>
+        <p:style>
+          <a:lnRef idx="2">
+            <a:schemeClr val="accent1">
+              <a:shade val="50000"/>
+            </a:schemeClr>
+          </a:lnRef>
+          <a:fillRef idx="1">
+            <a:schemeClr val="accent1"/>
+          </a:fillRef>
+          <a:effectRef idx="0">
+            <a:schemeClr val="accent1"/>
+          </a:effectRef>
+          <a:fontRef idx="minor">
+            <a:schemeClr val="lt1"/>
+          </a:fontRef>
+        </p:style>
+        <p:txBody>
+          <a:bodyPr rtlCol="0" anchor="ctr"/>
+          <a:lstStyle/>
+          <a:p>
+            <a:pPr algn="ctr"/>
+            <a:r>
+              <a:rPr lang="en-US" altLang="ko-KR" dirty="0" err="1" smtClean="0"/>
+              <a:t>RecvThread</a:t>
+            </a:r>
+            <a:r>
+              <a:rPr lang="en-US" altLang="ko-KR" dirty="0" smtClean="0"/>
+              <a:t>()</a:t>
+            </a:r>
+            <a:endParaRPr lang="ko-KR" altLang="en-US" dirty="0"/>
+          </a:p>
+        </p:txBody>
+      </p:sp>
+      <p:cxnSp>
+        <p:nvCxnSpPr>
+          <p:cNvPr id="31" name="꺾인 연결선 30"/>
+          <p:cNvCxnSpPr/>
+          <p:nvPr/>
+        </p:nvCxnSpPr>
+        <p:spPr>
+          <a:xfrm rot="10800000">
+            <a:off x="6588224" y="4218259"/>
+            <a:ext cx="648073" cy="1010940"/>
+          </a:xfrm>
+          <a:prstGeom prst="bentConnector3">
+            <a:avLst>
+              <a:gd name="adj1" fmla="val 50000"/>
+            </a:avLst>
           </a:prstGeom>
           <a:ln>
             <a:solidFill>
@@ -4974,219 +5340,19 @@
       </p:cxnSp>
       <p:cxnSp>
         <p:nvCxnSpPr>
-          <p:cNvPr id="37" name="꺾인 연결선 36"/>
+          <p:cNvPr id="54" name="직선 화살표 연결선 53"/>
           <p:cNvCxnSpPr>
-            <a:stCxn id="24" idx="1"/>
+            <a:stCxn id="23" idx="2"/>
+            <a:endCxn id="38" idx="0"/>
           </p:cNvCxnSpPr>
           <p:nvPr/>
         </p:nvCxnSpPr>
         <p:spPr>
-          <a:xfrm rot="10800000">
-            <a:off x="2320734" y="4437112"/>
-            <a:ext cx="2232248" cy="1864908"/>
-          </a:xfrm>
-          <a:prstGeom prst="bentConnector3">
-            <a:avLst/>
-          </a:prstGeom>
-          <a:ln>
-            <a:solidFill>
-              <a:schemeClr val="tx1"/>
-            </a:solidFill>
-            <a:tailEnd type="arrow"/>
-          </a:ln>
-        </p:spPr>
-        <p:style>
-          <a:lnRef idx="1">
-            <a:schemeClr val="accent1"/>
-          </a:lnRef>
-          <a:fillRef idx="0">
-            <a:schemeClr val="accent1"/>
-          </a:fillRef>
-          <a:effectRef idx="0">
-            <a:schemeClr val="accent1"/>
-          </a:effectRef>
-          <a:fontRef idx="minor">
-            <a:schemeClr val="tx1"/>
-          </a:fontRef>
-        </p:style>
-      </p:cxnSp>
-      <p:sp>
-        <p:nvSpPr>
-          <p:cNvPr id="41" name="TextBox 40"/>
-          <p:cNvSpPr txBox="1"/>
-          <p:nvPr/>
-        </p:nvSpPr>
-        <p:spPr>
-          <a:xfrm>
-            <a:off x="3112822" y="529877"/>
-            <a:ext cx="1144865" cy="307777"/>
-          </a:xfrm>
-          <a:prstGeom prst="rect">
-            <a:avLst/>
-          </a:prstGeom>
-          <a:noFill/>
-        </p:spPr>
-        <p:txBody>
-          <a:bodyPr wrap="none" rtlCol="0">
-            <a:spAutoFit/>
-          </a:bodyPr>
-          <a:lstStyle/>
-          <a:p>
-            <a:r>
-              <a:rPr lang="ko-KR" altLang="en-US" sz="1400" dirty="0" err="1" smtClean="0"/>
-              <a:t>스레드</a:t>
-            </a:r>
-            <a:r>
-              <a:rPr lang="ko-KR" altLang="en-US" sz="1400" dirty="0" smtClean="0"/>
-              <a:t> 생성</a:t>
-            </a:r>
-            <a:endParaRPr lang="ko-KR" altLang="en-US" sz="1400" dirty="0"/>
-          </a:p>
-        </p:txBody>
-      </p:sp>
-      <p:sp>
-        <p:nvSpPr>
-          <p:cNvPr id="47" name="TextBox 46"/>
-          <p:cNvSpPr txBox="1"/>
-          <p:nvPr/>
-        </p:nvSpPr>
-        <p:spPr>
-          <a:xfrm>
-            <a:off x="3401558" y="6001810"/>
-            <a:ext cx="723275" cy="307777"/>
-          </a:xfrm>
-          <a:prstGeom prst="rect">
-            <a:avLst/>
-          </a:prstGeom>
-          <a:noFill/>
-        </p:spPr>
-        <p:txBody>
-          <a:bodyPr wrap="none" rtlCol="0">
-            <a:spAutoFit/>
-          </a:bodyPr>
-          <a:lstStyle/>
-          <a:p>
-            <a:r>
-              <a:rPr lang="ko-KR" altLang="en-US" sz="1400" dirty="0" err="1" smtClean="0"/>
-              <a:t>키입력</a:t>
-            </a:r>
-            <a:endParaRPr lang="ko-KR" altLang="en-US" sz="1400" dirty="0"/>
-          </a:p>
-        </p:txBody>
-      </p:sp>
-      <p:sp>
-        <p:nvSpPr>
-          <p:cNvPr id="49" name="TextBox 48"/>
-          <p:cNvSpPr txBox="1"/>
-          <p:nvPr/>
-        </p:nvSpPr>
-        <p:spPr>
-          <a:xfrm>
-            <a:off x="1333851" y="2471864"/>
-            <a:ext cx="1867819" cy="307777"/>
-          </a:xfrm>
-          <a:prstGeom prst="rect">
-            <a:avLst/>
-          </a:prstGeom>
-          <a:noFill/>
-        </p:spPr>
-        <p:txBody>
-          <a:bodyPr wrap="none" rtlCol="0">
-            <a:spAutoFit/>
-          </a:bodyPr>
-          <a:lstStyle/>
-          <a:p>
-            <a:r>
-              <a:rPr lang="ko-KR" altLang="en-US" sz="1400" dirty="0" smtClean="0"/>
-              <a:t>클라이언트 </a:t>
-            </a:r>
-            <a:r>
-              <a:rPr lang="en-US" altLang="ko-KR" sz="1400" dirty="0" smtClean="0"/>
-              <a:t>1, 2</a:t>
-            </a:r>
-            <a:r>
-              <a:rPr lang="ko-KR" altLang="en-US" sz="1400" dirty="0" smtClean="0"/>
-              <a:t>입장</a:t>
-            </a:r>
-            <a:endParaRPr lang="ko-KR" altLang="en-US" sz="1400" dirty="0"/>
-          </a:p>
-        </p:txBody>
-      </p:sp>
-      <p:sp>
-        <p:nvSpPr>
-          <p:cNvPr id="2" name="순서도: 대체 처리 1"/>
-          <p:cNvSpPr/>
-          <p:nvPr/>
-        </p:nvSpPr>
-        <p:spPr>
-          <a:xfrm>
-            <a:off x="7236296" y="4828301"/>
-            <a:ext cx="1728192" cy="905104"/>
-          </a:xfrm>
-          <a:prstGeom prst="flowChartAlternateProcess">
-            <a:avLst/>
-          </a:prstGeom>
-          <a:solidFill>
-            <a:schemeClr val="bg1"/>
-          </a:solidFill>
-          <a:ln>
-            <a:solidFill>
-              <a:schemeClr val="tx1"/>
-            </a:solidFill>
-          </a:ln>
-        </p:spPr>
-        <p:style>
-          <a:lnRef idx="2">
-            <a:schemeClr val="accent1">
-              <a:shade val="50000"/>
-            </a:schemeClr>
-          </a:lnRef>
-          <a:fillRef idx="1">
-            <a:schemeClr val="accent1"/>
-          </a:fillRef>
-          <a:effectRef idx="0">
-            <a:schemeClr val="accent1"/>
-          </a:effectRef>
-          <a:fontRef idx="minor">
-            <a:schemeClr val="lt1"/>
-          </a:fontRef>
-        </p:style>
-        <p:txBody>
-          <a:bodyPr rtlCol="0" anchor="ctr"/>
-          <a:lstStyle/>
-          <a:p>
-            <a:pPr algn="ctr"/>
-            <a:r>
-              <a:rPr lang="ko-KR" altLang="en-US" dirty="0" smtClean="0">
-                <a:solidFill>
-                  <a:schemeClr val="tx1"/>
-                </a:solidFill>
-              </a:rPr>
-              <a:t>클라이언</a:t>
-            </a:r>
-            <a:r>
-              <a:rPr lang="ko-KR" altLang="en-US" dirty="0">
-                <a:solidFill>
-                  <a:schemeClr val="tx1"/>
-                </a:solidFill>
-              </a:rPr>
-              <a:t>트</a:t>
-            </a:r>
-          </a:p>
-        </p:txBody>
-      </p:sp>
-      <p:cxnSp>
-        <p:nvCxnSpPr>
-          <p:cNvPr id="10" name="꺾인 연결선 9"/>
-          <p:cNvCxnSpPr/>
-          <p:nvPr/>
-        </p:nvCxnSpPr>
-        <p:spPr>
-          <a:xfrm>
-            <a:off x="6641214" y="4192677"/>
-            <a:ext cx="595082" cy="987069"/>
-          </a:xfrm>
-          <a:prstGeom prst="bentConnector3">
+          <a:xfrm>
+            <a:off x="5544107" y="2501170"/>
+            <a:ext cx="0" cy="1431886"/>
+          </a:xfrm>
+          <a:prstGeom prst="straightConnector1">
             <a:avLst/>
           </a:prstGeom>
           <a:ln>
@@ -5213,17 +5379,17 @@
       </p:cxnSp>
       <p:cxnSp>
         <p:nvCxnSpPr>
-          <p:cNvPr id="17" name="꺾인 연결선 16"/>
+          <p:cNvPr id="57" name="꺾인 연결선 56"/>
           <p:cNvCxnSpPr>
-            <a:stCxn id="2" idx="1"/>
-            <a:endCxn id="24" idx="3"/>
+            <a:stCxn id="8" idx="3"/>
+            <a:endCxn id="24" idx="1"/>
           </p:cNvCxnSpPr>
           <p:nvPr/>
         </p:nvCxnSpPr>
         <p:spPr>
-          <a:xfrm rot="10800000" flipV="1">
-            <a:off x="6641214" y="5280852"/>
-            <a:ext cx="595082" cy="1021167"/>
+          <a:xfrm>
+            <a:off x="2320734" y="4290388"/>
+            <a:ext cx="2179257" cy="2011632"/>
           </a:xfrm>
           <a:prstGeom prst="bentConnector3">
             <a:avLst/>
@@ -5252,21 +5418,20 @@
       </p:cxnSp>
       <p:cxnSp>
         <p:nvCxnSpPr>
-          <p:cNvPr id="27" name="꺾인 연결선 26"/>
+          <p:cNvPr id="59" name="꺾인 연결선 58"/>
           <p:cNvCxnSpPr>
-            <a:stCxn id="6" idx="3"/>
+            <a:stCxn id="24" idx="3"/>
+            <a:endCxn id="2" idx="1"/>
           </p:cNvCxnSpPr>
           <p:nvPr/>
         </p:nvCxnSpPr>
         <p:spPr>
-          <a:xfrm>
-            <a:off x="2104710" y="3158230"/>
-            <a:ext cx="2448272" cy="1006046"/>
+          <a:xfrm flipV="1">
+            <a:off x="6588223" y="5280853"/>
+            <a:ext cx="648073" cy="1021167"/>
           </a:xfrm>
           <a:prstGeom prst="bentConnector3">
-            <a:avLst>
-              <a:gd name="adj1" fmla="val 54423"/>
-            </a:avLst>
+            <a:avLst/>
           </a:prstGeom>
           <a:ln>
             <a:solidFill>
@@ -5290,16 +5455,95 @@
           </a:fontRef>
         </p:style>
       </p:cxnSp>
-      <p:sp>
-        <p:nvSpPr>
-          <p:cNvPr id="40" name="TextBox 39"/>
+      <p:cxnSp>
+        <p:nvCxnSpPr>
+          <p:cNvPr id="67" name="직선 화살표 연결선 66"/>
+          <p:cNvCxnSpPr>
+            <a:stCxn id="38" idx="1"/>
+          </p:cNvCxnSpPr>
+          <p:nvPr/>
+        </p:nvCxnSpPr>
+        <p:spPr>
+          <a:xfrm flipH="1">
+            <a:off x="2320735" y="4221088"/>
+            <a:ext cx="2179256" cy="0"/>
+          </a:xfrm>
+          <a:prstGeom prst="straightConnector1">
+            <a:avLst/>
+          </a:prstGeom>
+          <a:ln>
+            <a:solidFill>
+              <a:schemeClr val="tx1"/>
+            </a:solidFill>
+            <a:tailEnd type="arrow"/>
+          </a:ln>
+        </p:spPr>
+        <p:style>
+          <a:lnRef idx="1">
+            <a:schemeClr val="accent1"/>
+          </a:lnRef>
+          <a:fillRef idx="0">
+            <a:schemeClr val="accent1"/>
+          </a:fillRef>
+          <a:effectRef idx="0">
+            <a:schemeClr val="accent1"/>
+          </a:effectRef>
+          <a:fontRef idx="minor">
+            <a:schemeClr val="tx1"/>
+          </a:fontRef>
+        </p:style>
+      </p:cxnSp>
+      <p:cxnSp>
+        <p:nvCxnSpPr>
+          <p:cNvPr id="70" name="꺾인 연결선 69"/>
+          <p:cNvCxnSpPr>
+            <a:stCxn id="6" idx="3"/>
+            <a:endCxn id="24" idx="1"/>
+          </p:cNvCxnSpPr>
+          <p:nvPr/>
+        </p:nvCxnSpPr>
+        <p:spPr>
+          <a:xfrm>
+            <a:off x="2104710" y="3158230"/>
+            <a:ext cx="2395281" cy="3143790"/>
+          </a:xfrm>
+          <a:prstGeom prst="bentConnector3">
+            <a:avLst>
+              <a:gd name="adj1" fmla="val 54682"/>
+            </a:avLst>
+          </a:prstGeom>
+          <a:ln>
+            <a:solidFill>
+              <a:schemeClr val="tx1"/>
+            </a:solidFill>
+            <a:tailEnd type="arrow"/>
+          </a:ln>
+        </p:spPr>
+        <p:style>
+          <a:lnRef idx="1">
+            <a:schemeClr val="accent1"/>
+          </a:lnRef>
+          <a:fillRef idx="0">
+            <a:schemeClr val="accent1"/>
+          </a:fillRef>
+          <a:effectRef idx="0">
+            <a:schemeClr val="accent1"/>
+          </a:effectRef>
+          <a:fontRef idx="minor">
+            <a:schemeClr val="tx1"/>
+          </a:fontRef>
+        </p:style>
+      </p:cxnSp>
+      <p:sp>
+        <p:nvSpPr>
+          <p:cNvPr id="72" name="TextBox 71"/>
           <p:cNvSpPr txBox="1"/>
           <p:nvPr/>
         </p:nvSpPr>
         <p:spPr>
           <a:xfrm>
-            <a:off x="5195680" y="4933868"/>
-            <a:ext cx="1759200" cy="523220"/>
+            <a:off x="5555642" y="3004340"/>
+            <a:ext cx="1144865" cy="307777"/>
           </a:xfrm>
           <a:prstGeom prst="rect">
             <a:avLst/>
@@ -5312,77 +5556,13 @@
           </a:bodyPr>
           <a:lstStyle/>
           <a:p>
-            <a:pPr algn="r"/>
-            <a:r>
-              <a:rPr lang="en-US" altLang="ko-KR" sz="1400" dirty="0" smtClean="0"/>
-              <a:t>RUNTIME_PACKET()</a:t>
-            </a:r>
-          </a:p>
-          <a:p>
-            <a:pPr algn="r"/>
-            <a:r>
-              <a:rPr lang="en-US" altLang="ko-KR" sz="1400" dirty="0" smtClean="0"/>
-              <a:t>SKILL_PACKET()</a:t>
-            </a:r>
-            <a:endParaRPr lang="ko-KR" altLang="en-US" sz="1400" dirty="0"/>
-          </a:p>
-        </p:txBody>
-      </p:sp>
-      <p:sp>
-        <p:nvSpPr>
-          <p:cNvPr id="42" name="TextBox 41"/>
-          <p:cNvSpPr txBox="1"/>
-          <p:nvPr/>
-        </p:nvSpPr>
-        <p:spPr>
-          <a:xfrm>
-            <a:off x="3401558" y="3108203"/>
-            <a:ext cx="1313565" cy="307777"/>
-          </a:xfrm>
-          <a:prstGeom prst="rect">
-            <a:avLst/>
-          </a:prstGeom>
-          <a:noFill/>
-        </p:spPr>
-        <p:txBody>
-          <a:bodyPr wrap="none" rtlCol="0">
-            <a:spAutoFit/>
-          </a:bodyPr>
-          <a:lstStyle/>
-          <a:p>
-            <a:r>
-              <a:rPr lang="en-US" altLang="ko-KR" sz="1400" dirty="0" smtClean="0"/>
-              <a:t>INIT_PACKET()</a:t>
-            </a:r>
-            <a:endParaRPr lang="ko-KR" altLang="en-US" sz="1400" dirty="0"/>
-          </a:p>
-        </p:txBody>
-      </p:sp>
-      <p:sp>
-        <p:nvSpPr>
-          <p:cNvPr id="44" name="TextBox 43"/>
-          <p:cNvSpPr txBox="1"/>
-          <p:nvPr/>
-        </p:nvSpPr>
-        <p:spPr>
-          <a:xfrm>
-            <a:off x="6938752" y="4164276"/>
-            <a:ext cx="1342419" cy="307777"/>
-          </a:xfrm>
-          <a:prstGeom prst="rect">
-            <a:avLst/>
-          </a:prstGeom>
-          <a:noFill/>
-        </p:spPr>
-        <p:txBody>
-          <a:bodyPr wrap="none" rtlCol="0">
-            <a:spAutoFit/>
-          </a:bodyPr>
-          <a:lstStyle/>
-          <a:p>
-            <a:r>
-              <a:rPr lang="en-US" altLang="ko-KR" sz="1400" dirty="0" smtClean="0"/>
-              <a:t>END_PACKET()</a:t>
+            <a:r>
+              <a:rPr lang="ko-KR" altLang="en-US" sz="1400" dirty="0" err="1" smtClean="0"/>
+              <a:t>스레드</a:t>
+            </a:r>
+            <a:r>
+              <a:rPr lang="ko-KR" altLang="en-US" sz="1400" dirty="0" smtClean="0"/>
+              <a:t> 생성</a:t>
             </a:r>
             <a:endParaRPr lang="ko-KR" altLang="en-US" sz="1400" dirty="0"/>
           </a:p>

--- a/설계도.pptx
+++ b/설계도.pptx
@@ -4454,7 +4454,7 @@
         </p:nvSpPr>
         <p:spPr>
           <a:xfrm>
-            <a:off x="448526" y="4933868"/>
+            <a:off x="448526" y="5902250"/>
             <a:ext cx="1656184" cy="799537"/>
           </a:xfrm>
           <a:prstGeom prst="diamond">
@@ -4561,7 +4561,7 @@
         </p:nvSpPr>
         <p:spPr>
           <a:xfrm>
-            <a:off x="232502" y="6013988"/>
+            <a:off x="232502" y="5008172"/>
             <a:ext cx="2088232" cy="576064"/>
           </a:xfrm>
           <a:prstGeom prst="rect">
@@ -4605,84 +4605,6 @@
           </a:p>
         </p:txBody>
       </p:sp>
-      <p:cxnSp>
-        <p:nvCxnSpPr>
-          <p:cNvPr id="14" name="직선 화살표 연결선 13"/>
-          <p:cNvCxnSpPr>
-            <a:stCxn id="7" idx="2"/>
-            <a:endCxn id="9" idx="0"/>
-          </p:cNvCxnSpPr>
-          <p:nvPr/>
-        </p:nvCxnSpPr>
-        <p:spPr>
-          <a:xfrm>
-            <a:off x="1276618" y="5733405"/>
-            <a:ext cx="0" cy="280583"/>
-          </a:xfrm>
-          <a:prstGeom prst="straightConnector1">
-            <a:avLst/>
-          </a:prstGeom>
-          <a:ln>
-            <a:solidFill>
-              <a:schemeClr val="tx1"/>
-            </a:solidFill>
-            <a:tailEnd type="arrow"/>
-          </a:ln>
-        </p:spPr>
-        <p:style>
-          <a:lnRef idx="1">
-            <a:schemeClr val="accent1"/>
-          </a:lnRef>
-          <a:fillRef idx="0">
-            <a:schemeClr val="accent1"/>
-          </a:fillRef>
-          <a:effectRef idx="0">
-            <a:schemeClr val="accent1"/>
-          </a:effectRef>
-          <a:fontRef idx="minor">
-            <a:schemeClr val="tx1"/>
-          </a:fontRef>
-        </p:style>
-      </p:cxnSp>
-      <p:cxnSp>
-        <p:nvCxnSpPr>
-          <p:cNvPr id="16" name="직선 화살표 연결선 15"/>
-          <p:cNvCxnSpPr>
-            <a:stCxn id="8" idx="2"/>
-            <a:endCxn id="7" idx="0"/>
-          </p:cNvCxnSpPr>
-          <p:nvPr/>
-        </p:nvCxnSpPr>
-        <p:spPr>
-          <a:xfrm>
-            <a:off x="1276618" y="4578420"/>
-            <a:ext cx="0" cy="355448"/>
-          </a:xfrm>
-          <a:prstGeom prst="straightConnector1">
-            <a:avLst/>
-          </a:prstGeom>
-          <a:ln>
-            <a:solidFill>
-              <a:schemeClr val="tx1"/>
-            </a:solidFill>
-            <a:tailEnd type="arrow"/>
-          </a:ln>
-        </p:spPr>
-        <p:style>
-          <a:lnRef idx="1">
-            <a:schemeClr val="accent1"/>
-          </a:lnRef>
-          <a:fillRef idx="0">
-            <a:schemeClr val="accent1"/>
-          </a:fillRef>
-          <a:effectRef idx="0">
-            <a:schemeClr val="accent1"/>
-          </a:effectRef>
-          <a:fontRef idx="minor">
-            <a:schemeClr val="tx1"/>
-          </a:fontRef>
-        </p:style>
-      </p:cxnSp>
       <p:cxnSp>
         <p:nvCxnSpPr>
           <p:cNvPr id="18" name="직선 화살표 연결선 17"/>
@@ -4877,17 +4799,11 @@
             <a:avLst/>
           </a:prstGeom>
           <a:solidFill>
-            <a:schemeClr val="tx1">
-              <a:lumMod val="50000"/>
-              <a:lumOff val="50000"/>
-            </a:schemeClr>
+            <a:schemeClr val="tx1"/>
           </a:solidFill>
           <a:ln>
             <a:solidFill>
-              <a:schemeClr val="tx1">
-                <a:lumMod val="50000"/>
-                <a:lumOff val="50000"/>
-              </a:schemeClr>
+              <a:schemeClr val="tx1"/>
             </a:solidFill>
           </a:ln>
         </p:spPr>
@@ -4914,11 +4830,7 @@
             <a:pPr algn="ctr"/>
             <a:r>
               <a:rPr lang="en-US" altLang="ko-KR" dirty="0" err="1" smtClean="0"/>
-              <a:t>Send</a:t>
-            </a:r>
-            <a:r>
-              <a:rPr lang="en-US" altLang="ko-KR" dirty="0" err="1" smtClean="0"/>
-              <a:t>Packet</a:t>
+              <a:t>SendPacket</a:t>
             </a:r>
             <a:r>
               <a:rPr lang="en-US" altLang="ko-KR" dirty="0" smtClean="0"/>
@@ -5568,6 +5480,84 @@
           </a:p>
         </p:txBody>
       </p:sp>
+      <p:cxnSp>
+        <p:nvCxnSpPr>
+          <p:cNvPr id="12" name="직선 화살표 연결선 11"/>
+          <p:cNvCxnSpPr>
+            <a:stCxn id="8" idx="2"/>
+            <a:endCxn id="9" idx="0"/>
+          </p:cNvCxnSpPr>
+          <p:nvPr/>
+        </p:nvCxnSpPr>
+        <p:spPr>
+          <a:xfrm>
+            <a:off x="1276618" y="4578420"/>
+            <a:ext cx="0" cy="429752"/>
+          </a:xfrm>
+          <a:prstGeom prst="straightConnector1">
+            <a:avLst/>
+          </a:prstGeom>
+          <a:ln>
+            <a:solidFill>
+              <a:schemeClr val="tx1"/>
+            </a:solidFill>
+            <a:tailEnd type="arrow"/>
+          </a:ln>
+        </p:spPr>
+        <p:style>
+          <a:lnRef idx="1">
+            <a:schemeClr val="accent1"/>
+          </a:lnRef>
+          <a:fillRef idx="0">
+            <a:schemeClr val="accent1"/>
+          </a:fillRef>
+          <a:effectRef idx="0">
+            <a:schemeClr val="accent1"/>
+          </a:effectRef>
+          <a:fontRef idx="minor">
+            <a:schemeClr val="tx1"/>
+          </a:fontRef>
+        </p:style>
+      </p:cxnSp>
+      <p:cxnSp>
+        <p:nvCxnSpPr>
+          <p:cNvPr id="15" name="직선 화살표 연결선 14"/>
+          <p:cNvCxnSpPr>
+            <a:stCxn id="9" idx="2"/>
+            <a:endCxn id="7" idx="0"/>
+          </p:cNvCxnSpPr>
+          <p:nvPr/>
+        </p:nvCxnSpPr>
+        <p:spPr>
+          <a:xfrm>
+            <a:off x="1276618" y="5584236"/>
+            <a:ext cx="0" cy="318014"/>
+          </a:xfrm>
+          <a:prstGeom prst="straightConnector1">
+            <a:avLst/>
+          </a:prstGeom>
+          <a:ln>
+            <a:solidFill>
+              <a:schemeClr val="tx1"/>
+            </a:solidFill>
+            <a:tailEnd type="arrow"/>
+          </a:ln>
+        </p:spPr>
+        <p:style>
+          <a:lnRef idx="1">
+            <a:schemeClr val="accent1"/>
+          </a:lnRef>
+          <a:fillRef idx="0">
+            <a:schemeClr val="accent1"/>
+          </a:fillRef>
+          <a:effectRef idx="0">
+            <a:schemeClr val="accent1"/>
+          </a:effectRef>
+          <a:fontRef idx="minor">
+            <a:schemeClr val="tx1"/>
+          </a:fontRef>
+        </p:style>
+      </p:cxnSp>
     </p:spTree>
     <p:extLst>
       <p:ext uri="{BB962C8B-B14F-4D97-AF65-F5344CB8AC3E}">

--- a/설계도.pptx
+++ b/설계도.pptx
@@ -289,7 +289,7 @@
           <a:p>
             <a:fld id="{4AFF1424-E2AE-4606-9CF1-EF86A716C338}" type="datetimeFigureOut">
               <a:rPr lang="ko-KR" altLang="en-US" smtClean="0"/>
-              <a:t>2018-10-25</a:t>
+              <a:t>2018-11-01</a:t>
             </a:fld>
             <a:endParaRPr lang="ko-KR" altLang="en-US"/>
           </a:p>
@@ -459,7 +459,7 @@
           <a:p>
             <a:fld id="{4AFF1424-E2AE-4606-9CF1-EF86A716C338}" type="datetimeFigureOut">
               <a:rPr lang="ko-KR" altLang="en-US" smtClean="0"/>
-              <a:t>2018-10-25</a:t>
+              <a:t>2018-11-01</a:t>
             </a:fld>
             <a:endParaRPr lang="ko-KR" altLang="en-US"/>
           </a:p>
@@ -639,7 +639,7 @@
           <a:p>
             <a:fld id="{4AFF1424-E2AE-4606-9CF1-EF86A716C338}" type="datetimeFigureOut">
               <a:rPr lang="ko-KR" altLang="en-US" smtClean="0"/>
-              <a:t>2018-10-25</a:t>
+              <a:t>2018-11-01</a:t>
             </a:fld>
             <a:endParaRPr lang="ko-KR" altLang="en-US"/>
           </a:p>
@@ -809,7 +809,7 @@
           <a:p>
             <a:fld id="{4AFF1424-E2AE-4606-9CF1-EF86A716C338}" type="datetimeFigureOut">
               <a:rPr lang="ko-KR" altLang="en-US" smtClean="0"/>
-              <a:t>2018-10-25</a:t>
+              <a:t>2018-11-01</a:t>
             </a:fld>
             <a:endParaRPr lang="ko-KR" altLang="en-US"/>
           </a:p>
@@ -1055,7 +1055,7 @@
           <a:p>
             <a:fld id="{4AFF1424-E2AE-4606-9CF1-EF86A716C338}" type="datetimeFigureOut">
               <a:rPr lang="ko-KR" altLang="en-US" smtClean="0"/>
-              <a:t>2018-10-25</a:t>
+              <a:t>2018-11-01</a:t>
             </a:fld>
             <a:endParaRPr lang="ko-KR" altLang="en-US"/>
           </a:p>
@@ -1343,7 +1343,7 @@
           <a:p>
             <a:fld id="{4AFF1424-E2AE-4606-9CF1-EF86A716C338}" type="datetimeFigureOut">
               <a:rPr lang="ko-KR" altLang="en-US" smtClean="0"/>
-              <a:t>2018-10-25</a:t>
+              <a:t>2018-11-01</a:t>
             </a:fld>
             <a:endParaRPr lang="ko-KR" altLang="en-US"/>
           </a:p>
@@ -1765,7 +1765,7 @@
           <a:p>
             <a:fld id="{4AFF1424-E2AE-4606-9CF1-EF86A716C338}" type="datetimeFigureOut">
               <a:rPr lang="ko-KR" altLang="en-US" smtClean="0"/>
-              <a:t>2018-10-25</a:t>
+              <a:t>2018-11-01</a:t>
             </a:fld>
             <a:endParaRPr lang="ko-KR" altLang="en-US"/>
           </a:p>
@@ -1883,7 +1883,7 @@
           <a:p>
             <a:fld id="{4AFF1424-E2AE-4606-9CF1-EF86A716C338}" type="datetimeFigureOut">
               <a:rPr lang="ko-KR" altLang="en-US" smtClean="0"/>
-              <a:t>2018-10-25</a:t>
+              <a:t>2018-11-01</a:t>
             </a:fld>
             <a:endParaRPr lang="ko-KR" altLang="en-US"/>
           </a:p>
@@ -1978,7 +1978,7 @@
           <a:p>
             <a:fld id="{4AFF1424-E2AE-4606-9CF1-EF86A716C338}" type="datetimeFigureOut">
               <a:rPr lang="ko-KR" altLang="en-US" smtClean="0"/>
-              <a:t>2018-10-25</a:t>
+              <a:t>2018-11-01</a:t>
             </a:fld>
             <a:endParaRPr lang="ko-KR" altLang="en-US"/>
           </a:p>
@@ -2255,7 +2255,7 @@
           <a:p>
             <a:fld id="{4AFF1424-E2AE-4606-9CF1-EF86A716C338}" type="datetimeFigureOut">
               <a:rPr lang="ko-KR" altLang="en-US" smtClean="0"/>
-              <a:t>2018-10-25</a:t>
+              <a:t>2018-11-01</a:t>
             </a:fld>
             <a:endParaRPr lang="ko-KR" altLang="en-US"/>
           </a:p>
@@ -2508,7 +2508,7 @@
           <a:p>
             <a:fld id="{4AFF1424-E2AE-4606-9CF1-EF86A716C338}" type="datetimeFigureOut">
               <a:rPr lang="ko-KR" altLang="en-US" smtClean="0"/>
-              <a:t>2018-10-25</a:t>
+              <a:t>2018-11-01</a:t>
             </a:fld>
             <a:endParaRPr lang="ko-KR" altLang="en-US"/>
           </a:p>
@@ -2721,7 +2721,7 @@
           <a:p>
             <a:fld id="{4AFF1424-E2AE-4606-9CF1-EF86A716C338}" type="datetimeFigureOut">
               <a:rPr lang="ko-KR" altLang="en-US" smtClean="0"/>
-              <a:t>2018-10-25</a:t>
+              <a:t>2018-11-01</a:t>
             </a:fld>
             <a:endParaRPr lang="ko-KR" altLang="en-US"/>
           </a:p>
@@ -4176,11 +4176,7 @@
             <a:pPr algn="r"/>
             <a:r>
               <a:rPr lang="en-US" altLang="ko-KR" sz="1400" dirty="0" smtClean="0"/>
-              <a:t>CS_</a:t>
-            </a:r>
-            <a:r>
-              <a:rPr lang="en-US" altLang="ko-KR" sz="1400" dirty="0" smtClean="0"/>
-              <a:t>RUN ()</a:t>
+              <a:t>CS_RUN ()</a:t>
             </a:r>
             <a:endParaRPr lang="ko-KR" altLang="en-US" sz="1400" dirty="0"/>
           </a:p>
@@ -4241,13 +4237,8 @@
             <a:pPr algn="r"/>
             <a:r>
               <a:rPr lang="en-US" altLang="ko-KR" sz="1400" dirty="0" smtClean="0"/>
-              <a:t>SC_</a:t>
-            </a:r>
-            <a:r>
-              <a:rPr lang="en-US" altLang="ko-KR" sz="1400" dirty="0" smtClean="0"/>
-              <a:t>RUN ()</a:t>
-            </a:r>
-            <a:endParaRPr lang="en-US" altLang="ko-KR" sz="1400" dirty="0" smtClean="0"/>
+              <a:t>SC_RUN ()</a:t>
+            </a:r>
           </a:p>
           <a:p>
             <a:pPr algn="r"/>
@@ -4824,17 +4815,11 @@
             <a:avLst/>
           </a:prstGeom>
           <a:solidFill>
-            <a:schemeClr val="tx1">
-              <a:lumMod val="50000"/>
-              <a:lumOff val="50000"/>
-            </a:schemeClr>
+            <a:schemeClr val="tx1"/>
           </a:solidFill>
           <a:ln>
             <a:solidFill>
-              <a:schemeClr val="tx1">
-                <a:lumMod val="50000"/>
-                <a:lumOff val="50000"/>
-              </a:schemeClr>
+              <a:schemeClr val="tx1"/>
             </a:solidFill>
           </a:ln>
         </p:spPr>
@@ -4861,11 +4846,11 @@
             <a:pPr algn="ctr"/>
             <a:r>
               <a:rPr lang="en-US" altLang="ko-KR" dirty="0" err="1" smtClean="0"/>
-              <a:t>ServerThread</a:t>
+              <a:t>AcceptClient</a:t>
             </a:r>
             <a:r>
               <a:rPr lang="en-US" altLang="ko-KR" dirty="0" smtClean="0"/>
-              <a:t>()</a:t>
+              <a:t> ()</a:t>
             </a:r>
             <a:endParaRPr lang="ko-KR" altLang="en-US" dirty="0"/>
           </a:p>
@@ -4974,40 +4959,6 @@
       </p:cxnSp>
       <p:sp>
         <p:nvSpPr>
-          <p:cNvPr id="41" name="TextBox 40"/>
-          <p:cNvSpPr txBox="1"/>
-          <p:nvPr/>
-        </p:nvSpPr>
-        <p:spPr>
-          <a:xfrm>
-            <a:off x="3112822" y="529877"/>
-            <a:ext cx="1144865" cy="307777"/>
-          </a:xfrm>
-          <a:prstGeom prst="rect">
-            <a:avLst/>
-          </a:prstGeom>
-          <a:noFill/>
-        </p:spPr>
-        <p:txBody>
-          <a:bodyPr wrap="none" rtlCol="0">
-            <a:spAutoFit/>
-          </a:bodyPr>
-          <a:lstStyle/>
-          <a:p>
-            <a:r>
-              <a:rPr lang="ko-KR" altLang="en-US" sz="1400" dirty="0" err="1" smtClean="0"/>
-              <a:t>스레드</a:t>
-            </a:r>
-            <a:r>
-              <a:rPr lang="ko-KR" altLang="en-US" sz="1400" dirty="0" smtClean="0"/>
-              <a:t> 생성</a:t>
-            </a:r>
-            <a:endParaRPr lang="ko-KR" altLang="en-US" sz="1400" dirty="0"/>
-          </a:p>
-        </p:txBody>
-      </p:sp>
-      <p:sp>
-        <p:nvSpPr>
           <p:cNvPr id="47" name="TextBox 46"/>
           <p:cNvSpPr txBox="1"/>
           <p:nvPr/>
@@ -5161,11 +5112,7 @@
           <a:p>
             <a:r>
               <a:rPr lang="en-US" altLang="ko-KR" sz="1400" dirty="0" smtClean="0"/>
-              <a:t>SC_</a:t>
-            </a:r>
-            <a:r>
-              <a:rPr lang="en-US" altLang="ko-KR" sz="1400" dirty="0" smtClean="0"/>
-              <a:t>INIT ()</a:t>
+              <a:t>SC_INIT ()</a:t>
             </a:r>
             <a:endParaRPr lang="ko-KR" altLang="en-US" sz="1400" dirty="0"/>
           </a:p>
@@ -5196,23 +5143,14 @@
             <a:pPr algn="r"/>
             <a:r>
               <a:rPr lang="en-US" altLang="ko-KR" sz="1400" dirty="0" smtClean="0"/>
-              <a:t>SC_</a:t>
-            </a:r>
+              <a:t>SC_RUN ()</a:t>
+            </a:r>
+          </a:p>
+          <a:p>
+            <a:pPr algn="r"/>
             <a:r>
               <a:rPr lang="en-US" altLang="ko-KR" sz="1400" dirty="0" smtClean="0"/>
-              <a:t>RUN ()</a:t>
-            </a:r>
-            <a:endParaRPr lang="en-US" altLang="ko-KR" sz="1400" dirty="0" smtClean="0"/>
-          </a:p>
-          <a:p>
-            <a:pPr algn="r"/>
-            <a:r>
-              <a:rPr lang="en-US" altLang="ko-KR" sz="1400" dirty="0" smtClean="0"/>
-              <a:t>SC_</a:t>
-            </a:r>
-            <a:r>
-              <a:rPr lang="en-US" altLang="ko-KR" sz="1400" dirty="0" smtClean="0"/>
-              <a:t>SKILL ()</a:t>
+              <a:t>SC_SKILL ()</a:t>
             </a:r>
           </a:p>
           <a:p>
@@ -5250,11 +5188,7 @@
             <a:pPr algn="r"/>
             <a:r>
               <a:rPr lang="en-US" altLang="ko-KR" sz="1400" dirty="0" smtClean="0"/>
-              <a:t>CS_</a:t>
-            </a:r>
-            <a:r>
-              <a:rPr lang="en-US" altLang="ko-KR" sz="1400" dirty="0" smtClean="0"/>
-              <a:t>RUN ()</a:t>
+              <a:t>CS_RUN ()</a:t>
             </a:r>
             <a:endParaRPr lang="ko-KR" altLang="en-US" sz="1400" dirty="0"/>
           </a:p>
